--- a/Meeting/20190517/20190517.pptx
+++ b/Meeting/20190517/20190517.pptx
@@ -5,7 +5,7 @@
     <p:sldMasterId id="2147483648" r:id="rId1"/>
   </p:sldMasterIdLst>
   <p:notesMasterIdLst>
-    <p:notesMasterId r:id="rId9"/>
+    <p:notesMasterId r:id="rId10"/>
   </p:notesMasterIdLst>
   <p:sldIdLst>
     <p:sldId id="256" r:id="rId2"/>
@@ -15,6 +15,7 @@
     <p:sldId id="266" r:id="rId6"/>
     <p:sldId id="267" r:id="rId7"/>
     <p:sldId id="261" r:id="rId8"/>
+    <p:sldId id="268" r:id="rId9"/>
   </p:sldIdLst>
   <p:sldSz cx="12192000" cy="6858000"/>
   <p:notesSz cx="6858000" cy="9144000"/>
@@ -3579,7 +3580,7 @@
           <p:nvPr>
             <p:extLst>
               <p:ext uri="{D42A27DB-BD31-4B8C-83A1-F6EECF244321}">
-                <p14:modId xmlns:p14="http://schemas.microsoft.com/office/powerpoint/2010/main" val="3046074763"/>
+                <p14:modId xmlns:p14="http://schemas.microsoft.com/office/powerpoint/2010/main" val="1015308847"/>
               </p:ext>
             </p:extLst>
           </p:nvPr>
@@ -7216,7 +7217,7 @@
               <a:r>
                 <a:rPr lang="en-US" altLang="zh-TW" sz="1600" dirty="0">
                   <a:solidFill>
-                    <a:schemeClr val="accent5"/>
+                    <a:schemeClr val="accent1"/>
                   </a:solidFill>
                 </a:rPr>
                 <a:t>RWD</a:t>
@@ -7566,9 +7567,7 @@
               <a:r>
                 <a:rPr lang="zh-TW" altLang="en-US" sz="1600" dirty="0">
                   <a:solidFill>
-                    <a:schemeClr val="bg2">
-                      <a:lumMod val="75000"/>
-                    </a:schemeClr>
+                    <a:schemeClr val="accent1"/>
                   </a:solidFill>
                 </a:rPr>
                 <a:t>－　璞學智慧與</a:t>
@@ -7576,18 +7575,14 @@
               <a:r>
                 <a:rPr lang="en-US" altLang="zh-TW" sz="1600" dirty="0" err="1">
                   <a:solidFill>
-                    <a:schemeClr val="bg2">
-                      <a:lumMod val="75000"/>
-                    </a:schemeClr>
+                    <a:schemeClr val="accent1"/>
                   </a:solidFill>
                 </a:rPr>
                 <a:t>FlipRobot</a:t>
               </a:r>
               <a:endParaRPr lang="en-US" altLang="zh-TW" sz="1600" dirty="0">
                 <a:solidFill>
-                  <a:schemeClr val="bg2">
-                    <a:lumMod val="75000"/>
-                  </a:schemeClr>
+                  <a:schemeClr val="accent1"/>
                 </a:solidFill>
               </a:endParaRPr>
             </a:p>
@@ -9028,6 +9023,104 @@
           </a:p>
         </p:txBody>
       </p:sp>
+      <p:pic>
+        <p:nvPicPr>
+          <p:cNvPr id="3" name="圖片 2">
+            <a:extLst>
+              <a:ext uri="{FF2B5EF4-FFF2-40B4-BE49-F238E27FC236}">
+                <a16:creationId xmlns:a16="http://schemas.microsoft.com/office/drawing/2014/main" id="{AD3D1D0F-D19B-4094-9E36-9CC01FEE5BEF}"/>
+              </a:ext>
+            </a:extLst>
+          </p:cNvPr>
+          <p:cNvPicPr>
+            <a:picLocks noChangeAspect="1"/>
+          </p:cNvPicPr>
+          <p:nvPr/>
+        </p:nvPicPr>
+        <p:blipFill>
+          <a:blip r:embed="rId2">
+            <a:extLst>
+              <a:ext uri="{28A0092B-C50C-407E-A947-70E740481C1C}">
+                <a14:useLocalDpi xmlns:a14="http://schemas.microsoft.com/office/drawing/2010/main" val="0"/>
+              </a:ext>
+            </a:extLst>
+          </a:blip>
+          <a:stretch>
+            <a:fillRect/>
+          </a:stretch>
+        </p:blipFill>
+        <p:spPr>
+          <a:xfrm>
+            <a:off x="0" y="2116015"/>
+            <a:ext cx="12192000" cy="2625969"/>
+          </a:xfrm>
+          <a:prstGeom prst="rect">
+            <a:avLst/>
+          </a:prstGeom>
+        </p:spPr>
+      </p:pic>
+    </p:spTree>
+  </p:cSld>
+  <p:clrMapOvr>
+    <a:masterClrMapping/>
+  </p:clrMapOvr>
+  <p:transition spd="med"/>
+</p:sld>
+</file>
+
+<file path=ppt/slides/slide8.xml><?xml version="1.0" encoding="utf-8"?>
+<p:sld xmlns:a="http://schemas.openxmlformats.org/drawingml/2006/main" xmlns:r="http://schemas.openxmlformats.org/officeDocument/2006/relationships" xmlns:p="http://schemas.openxmlformats.org/presentationml/2006/main">
+  <p:cSld>
+    <p:spTree>
+      <p:nvGrpSpPr>
+        <p:cNvPr id="1" name=""/>
+        <p:cNvGrpSpPr/>
+        <p:nvPr/>
+      </p:nvGrpSpPr>
+      <p:grpSpPr>
+        <a:xfrm>
+          <a:off x="0" y="0"/>
+          <a:ext cx="0" cy="0"/>
+          <a:chOff x="0" y="0"/>
+          <a:chExt cx="0" cy="0"/>
+        </a:xfrm>
+      </p:grpSpPr>
+      <p:sp>
+        <p:nvSpPr>
+          <p:cNvPr id="59" name="矩形 26"/>
+          <p:cNvSpPr/>
+          <p:nvPr/>
+        </p:nvSpPr>
+        <p:spPr>
+          <a:xfrm>
+            <a:off x="10191126" y="6166756"/>
+            <a:ext cx="1665515" cy="457201"/>
+          </a:xfrm>
+          <a:prstGeom prst="rect">
+            <a:avLst/>
+          </a:prstGeom>
+          <a:solidFill>
+            <a:srgbClr val="F2F2F2"/>
+          </a:solidFill>
+          <a:ln w="12700">
+            <a:miter lim="400000"/>
+          </a:ln>
+        </p:spPr>
+        <p:txBody>
+          <a:bodyPr lIns="45719" rIns="45719" anchor="ctr"/>
+          <a:lstStyle/>
+          <a:p>
+            <a:pPr algn="ctr">
+              <a:defRPr>
+                <a:solidFill>
+                  <a:srgbClr val="FFFFFF"/>
+                </a:solidFill>
+              </a:defRPr>
+            </a:pPr>
+            <a:endParaRPr/>
+          </a:p>
+        </p:txBody>
+      </p:sp>
       <p:sp>
         <p:nvSpPr>
           <p:cNvPr id="60" name="文字方塊 2"/>
@@ -9072,6 +9165,11 @@
         </p:txBody>
       </p:sp>
     </p:spTree>
+    <p:extLst>
+      <p:ext uri="{BB962C8B-B14F-4D97-AF65-F5344CB8AC3E}">
+        <p14:creationId xmlns:p14="http://schemas.microsoft.com/office/powerpoint/2010/main" val="3924796452"/>
+      </p:ext>
+    </p:extLst>
   </p:cSld>
   <p:clrMapOvr>
     <a:masterClrMapping/>
